--- a/org.faktorips.doc/schulung/anwendungsentwicklung2/FaktorIPS-Schulung 3-G - Plausibilisierungen.pptx
+++ b/org.faktorips.doc/schulung/anwendungsentwicklung2/FaktorIPS-Schulung 3-G - Plausibilisierungen.pptx
@@ -1876,7 +1876,7 @@
           <a:p>
             <a:fld id="{7ECD6B88-662B-4F5A-8F06-E6FC6058C8F2}" type="datetime1">
               <a:rPr lang="de-DE" smtClean="0"/>
-              <a:t>17.05.2013</a:t>
+              <a:t>15.04.2015</a:t>
             </a:fld>
             <a:endParaRPr lang="de-DE" dirty="0"/>
           </a:p>
@@ -3209,7 +3209,7 @@
           <a:p>
             <a:fld id="{833751D5-72F3-47FA-874A-C74EE75B542D}" type="datetime1">
               <a:rPr lang="de-DE" smtClean="0"/>
-              <a:t>17.05.2013</a:t>
+              <a:t>15.04.2015</a:t>
             </a:fld>
             <a:endParaRPr lang="de-DE" dirty="0"/>
           </a:p>
@@ -3406,7 +3406,7 @@
           <a:p>
             <a:fld id="{465066E5-5DA0-437B-9399-CEDE15662F34}" type="datetime1">
               <a:rPr lang="de-DE" smtClean="0"/>
-              <a:t>17.05.2013</a:t>
+              <a:t>15.04.2015</a:t>
             </a:fld>
             <a:endParaRPr lang="de-DE" dirty="0"/>
           </a:p>
@@ -4348,7 +4348,7 @@
           <a:p>
             <a:fld id="{FD222611-B8A7-4EF8-A28E-0D6558AAC1ED}" type="datetime1">
               <a:rPr lang="de-DE" smtClean="0"/>
-              <a:t>17.05.2013</a:t>
+              <a:t>15.04.2015</a:t>
             </a:fld>
             <a:endParaRPr lang="de-DE" dirty="0"/>
           </a:p>
@@ -4525,7 +4525,7 @@
           <a:p>
             <a:fld id="{AAA4EB34-619E-4158-A5FE-5CA58C46632B}" type="datetime1">
               <a:rPr lang="de-DE" smtClean="0"/>
-              <a:t>17.05.2013</a:t>
+              <a:t>15.04.2015</a:t>
             </a:fld>
             <a:endParaRPr lang="de-DE" dirty="0"/>
           </a:p>
@@ -4730,7 +4730,7 @@
           <a:p>
             <a:fld id="{6DF910C1-1A96-46D3-B630-C7C878BEFAC3}" type="datetime1">
               <a:rPr lang="de-DE" smtClean="0"/>
-              <a:t>17.05.2013</a:t>
+              <a:t>15.04.2015</a:t>
             </a:fld>
             <a:endParaRPr lang="de-DE" dirty="0"/>
           </a:p>
@@ -4902,7 +4902,7 @@
           <a:p>
             <a:fld id="{1F2A78D5-F0A9-4EAE-BD40-88EC0532AE78}" type="datetime1">
               <a:rPr lang="de-DE" smtClean="0"/>
-              <a:t>17.05.2013</a:t>
+              <a:t>15.04.2015</a:t>
             </a:fld>
             <a:endParaRPr lang="de-DE" dirty="0"/>
           </a:p>
@@ -5123,7 +5123,7 @@
           <a:p>
             <a:fld id="{405F8261-02BD-42AD-8C9F-A29CD2111CF9}" type="datetime1">
               <a:rPr lang="de-DE" smtClean="0"/>
-              <a:t>17.05.2013</a:t>
+              <a:t>15.04.2015</a:t>
             </a:fld>
             <a:endParaRPr lang="de-DE" dirty="0"/>
           </a:p>
@@ -5321,7 +5321,7 @@
           <a:p>
             <a:fld id="{438037FA-D9F1-4320-B7FD-38D79E1AF7AA}" type="datetime1">
               <a:rPr lang="de-DE" smtClean="0"/>
-              <a:t>17.05.2013</a:t>
+              <a:t>15.04.2015</a:t>
             </a:fld>
             <a:endParaRPr lang="de-DE" dirty="0"/>
           </a:p>
@@ -6588,7 +6588,7 @@
           <a:p>
             <a:fld id="{4D17BB1C-6453-409B-B1FB-3F3DD10DC7DA}" type="datetime1">
               <a:rPr lang="de-DE" smtClean="0"/>
-              <a:t>17.05.2013</a:t>
+              <a:t>15.04.2015</a:t>
             </a:fld>
             <a:endParaRPr lang="de-DE" dirty="0"/>
           </a:p>
@@ -7576,7 +7576,7 @@
           <a:p>
             <a:fld id="{2A3159BD-E5DD-4A61-A841-BA52A757F016}" type="datetime1">
               <a:rPr lang="de-DE" smtClean="0"/>
-              <a:t>17.05.2013</a:t>
+              <a:t>15.04.2015</a:t>
             </a:fld>
             <a:endParaRPr lang="de-DE" dirty="0"/>
           </a:p>
@@ -8147,7 +8147,7 @@
           <a:p>
             <a:fld id="{D91E53AA-F747-48BC-BD32-9599D624B1C6}" type="datetime1">
               <a:rPr lang="de-DE" smtClean="0"/>
-              <a:t>17.05.2013</a:t>
+              <a:t>15.04.2015</a:t>
             </a:fld>
             <a:endParaRPr lang="de-DE" dirty="0"/>
           </a:p>
@@ -9638,7 +9638,7 @@
           <a:p>
             <a:fld id="{F3006168-9B2C-404D-9FA4-1CB830FE2B64}" type="datetime1">
               <a:rPr lang="de-DE" smtClean="0"/>
-              <a:t>17.05.2013</a:t>
+              <a:t>15.04.2015</a:t>
             </a:fld>
             <a:endParaRPr lang="de-DE" dirty="0"/>
           </a:p>
@@ -10278,7 +10278,7 @@
                   <a:srgbClr val="FFFFFF"/>
                 </a:solidFill>
               </a:rPr>
-              <a:t>17.05.2013</a:t>
+              <a:t>15.04.2015</a:t>
             </a:fld>
             <a:endParaRPr lang="de-DE" dirty="0">
               <a:solidFill>
@@ -11781,6 +11781,13 @@
   <p:transition spd="slow">
     <p:fade/>
   </p:transition>
+  <p:timing>
+    <p:tnLst>
+      <p:par>
+        <p:cTn id="1" dur="indefinite" restart="never" nodeType="tmRoot"/>
+      </p:par>
+    </p:tnLst>
+  </p:timing>
 </p:sld>
 </file>
 
@@ -11822,7 +11829,7 @@
                   <a:srgbClr val="FFFFFF"/>
                 </a:solidFill>
               </a:rPr>
-              <a:t>17.05.2013</a:t>
+              <a:t>15.04.2015</a:t>
             </a:fld>
             <a:endParaRPr lang="de-DE" dirty="0">
               <a:solidFill>
@@ -12237,7 +12244,7 @@
                   <a:srgbClr val="FFFFFF"/>
                 </a:solidFill>
               </a:rPr>
-              <a:t>17.05.2013</a:t>
+              <a:t>15.04.2015</a:t>
             </a:fld>
             <a:endParaRPr lang="de-DE" dirty="0">
               <a:solidFill>
@@ -12681,7 +12688,7 @@
                   <a:srgbClr val="FFFFFF"/>
                 </a:solidFill>
               </a:rPr>
-              <a:t>17.05.2013</a:t>
+              <a:t>15.04.2015</a:t>
             </a:fld>
             <a:endParaRPr lang="de-DE" dirty="0">
               <a:solidFill>
@@ -13282,7 +13289,7 @@
                   <a:srgbClr val="FFFFFF"/>
                 </a:solidFill>
               </a:rPr>
-              <a:t>17.05.2013</a:t>
+              <a:t>15.04.2015</a:t>
             </a:fld>
             <a:endParaRPr lang="de-DE" dirty="0">
               <a:solidFill>
@@ -13693,7 +13700,7 @@
                   <a:srgbClr val="FFFFFF"/>
                 </a:solidFill>
               </a:rPr>
-              <a:t>17.05.2013</a:t>
+              <a:t>15.04.2015</a:t>
             </a:fld>
             <a:endParaRPr lang="de-DE" dirty="0">
               <a:solidFill>
@@ -14336,7 +14343,7 @@
                   <a:srgbClr val="FFFFFF"/>
                 </a:solidFill>
               </a:rPr>
-              <a:t>17.05.2013</a:t>
+              <a:t>15.04.2015</a:t>
             </a:fld>
             <a:endParaRPr lang="de-DE" dirty="0">
               <a:solidFill>
@@ -14532,19 +14539,25 @@
               <a:t>Für einen Wertebereich wird eine Methode </a:t>
             </a:r>
             <a:r>
-              <a:rPr lang="de-DE" dirty="0" err="1">
+              <a:rPr lang="de-DE" dirty="0" err="1" smtClean="0">
                 <a:latin typeface="Courier New" pitchFamily="49" charset="0"/>
               </a:rPr>
               <a:t>getRangeFor</a:t>
             </a:r>
             <a:r>
-              <a:rPr lang="de-DE" dirty="0">
+              <a:rPr lang="de-DE" dirty="0" smtClean="0">
                 <a:latin typeface="Courier New" pitchFamily="49" charset="0"/>
               </a:rPr>
-              <a:t>&lt;Attributname&gt;(</a:t>
-            </a:r>
-            <a:r>
-              <a:rPr lang="de-DE" dirty="0" err="1">
+              <a:t>[</a:t>
+            </a:r>
+            <a:r>
+              <a:rPr lang="de-DE" dirty="0" smtClean="0">
+                <a:latin typeface="Courier New" pitchFamily="49" charset="0"/>
+              </a:rPr>
+              <a:t>Attributname](</a:t>
+            </a:r>
+            <a:r>
+              <a:rPr lang="de-DE" dirty="0" err="1" smtClean="0">
                 <a:latin typeface="Courier New" pitchFamily="49" charset="0"/>
               </a:rPr>
               <a:t>IValidationContext</a:t>
@@ -14595,19 +14608,19 @@
               <a:t>Für eine Menge von diskreten Werten (Aufzählungstyp, einzelne Werte eines Typs) wird eine Methode </a:t>
             </a:r>
             <a:r>
-              <a:rPr lang="de-DE" dirty="0" err="1">
+              <a:rPr lang="de-DE" dirty="0" err="1" smtClean="0">
                 <a:latin typeface="Courier New" pitchFamily="49" charset="0"/>
               </a:rPr>
               <a:t>getAllowedValuesFor</a:t>
             </a:r>
             <a:r>
-              <a:rPr lang="de-DE" dirty="0">
+              <a:rPr lang="de-DE" dirty="0" smtClean="0">
                 <a:latin typeface="Courier New" pitchFamily="49" charset="0"/>
               </a:rPr>
-              <a:t>&lt;Attributname&gt;(</a:t>
-            </a:r>
-            <a:r>
-              <a:rPr lang="de-DE" dirty="0" err="1">
+              <a:t>[Attributname](</a:t>
+            </a:r>
+            <a:r>
+              <a:rPr lang="de-DE" dirty="0" err="1" smtClean="0">
                 <a:latin typeface="Courier New" pitchFamily="49" charset="0"/>
               </a:rPr>
               <a:t>IValidationContext</a:t>
@@ -14839,7 +14852,7 @@
                   <a:srgbClr val="FFFFFF"/>
                 </a:solidFill>
               </a:rPr>
-              <a:t>17.05.2013</a:t>
+              <a:t>15.04.2015</a:t>
             </a:fld>
             <a:endParaRPr lang="de-DE" dirty="0">
               <a:solidFill>
